--- a/docs/paper/figs/DiagramsDesktop.pptx
+++ b/docs/paper/figs/DiagramsDesktop.pptx
@@ -3076,8 +3076,8 @@
         </p:blipFill>
         <p:spPr bwMode="auto">
           <a:xfrm>
-            <a:off x="838200" y="1143000"/>
-            <a:ext cx="3763031" cy="3849905"/>
+            <a:off x="3124200" y="2467271"/>
+            <a:ext cx="2577473" cy="2636977"/>
           </a:xfrm>
           <a:prstGeom prst="rect">
             <a:avLst/>
@@ -3108,8 +3108,8 @@
         </p:blipFill>
         <p:spPr bwMode="auto">
           <a:xfrm>
-            <a:off x="4724400" y="1219200"/>
-            <a:ext cx="3893737" cy="3810000"/>
+            <a:off x="5791200" y="2514600"/>
+            <a:ext cx="2667000" cy="2609645"/>
           </a:xfrm>
           <a:prstGeom prst="rect">
             <a:avLst/>
@@ -3123,6 +3123,168 @@
           </a:ln>
         </p:spPr>
       </p:pic>
+      <p:pic>
+        <p:nvPicPr>
+          <p:cNvPr id="2" name="Picture 2"/>
+          <p:cNvPicPr>
+            <a:picLocks noChangeAspect="1" noChangeArrowheads="1"/>
+          </p:cNvPicPr>
+          <p:nvPr/>
+        </p:nvPicPr>
+        <p:blipFill>
+          <a:blip r:embed="rId4" cstate="print"/>
+          <a:srcRect/>
+          <a:stretch>
+            <a:fillRect/>
+          </a:stretch>
+        </p:blipFill>
+        <p:spPr bwMode="auto">
+          <a:xfrm>
+            <a:off x="304800" y="2539047"/>
+            <a:ext cx="2824956" cy="2625424"/>
+          </a:xfrm>
+          <a:prstGeom prst="rect">
+            <a:avLst/>
+          </a:prstGeom>
+          <a:noFill/>
+          <a:ln w="9525">
+            <a:noFill/>
+            <a:miter lim="800000"/>
+            <a:headEnd/>
+            <a:tailEnd/>
+          </a:ln>
+        </p:spPr>
+      </p:pic>
+      <p:sp>
+        <p:nvSpPr>
+          <p:cNvPr id="5" name="TextBox 4"/>
+          <p:cNvSpPr txBox="1"/>
+          <p:nvPr/>
+        </p:nvSpPr>
+        <p:spPr>
+          <a:xfrm>
+            <a:off x="381000" y="4724400"/>
+            <a:ext cx="381000" cy="307777"/>
+          </a:xfrm>
+          <a:prstGeom prst="rect">
+            <a:avLst/>
+          </a:prstGeom>
+          <a:solidFill>
+            <a:schemeClr val="bg1"/>
+          </a:solidFill>
+          <a:ln>
+            <a:noFill/>
+          </a:ln>
+        </p:spPr>
+        <p:txBody>
+          <a:bodyPr wrap="square" rtlCol="0">
+            <a:spAutoFit/>
+          </a:bodyPr>
+          <a:lstStyle/>
+          <a:p>
+            <a:r>
+              <a:rPr lang="en-US" sz="1400" dirty="0" smtClean="0">
+                <a:latin typeface="Times New Roman" pitchFamily="18" charset="0"/>
+                <a:cs typeface="Times New Roman" pitchFamily="18" charset="0"/>
+              </a:rPr>
+              <a:t>a)</a:t>
+            </a:r>
+            <a:endParaRPr lang="en-US" sz="1400" dirty="0">
+              <a:latin typeface="Times New Roman" pitchFamily="18" charset="0"/>
+              <a:cs typeface="Times New Roman" pitchFamily="18" charset="0"/>
+            </a:endParaRPr>
+          </a:p>
+        </p:txBody>
+      </p:sp>
+      <p:sp>
+        <p:nvSpPr>
+          <p:cNvPr id="6" name="TextBox 5"/>
+          <p:cNvSpPr txBox="1"/>
+          <p:nvPr/>
+        </p:nvSpPr>
+        <p:spPr>
+          <a:xfrm>
+            <a:off x="3200400" y="4724400"/>
+            <a:ext cx="381000" cy="307777"/>
+          </a:xfrm>
+          <a:prstGeom prst="rect">
+            <a:avLst/>
+          </a:prstGeom>
+          <a:solidFill>
+            <a:schemeClr val="bg1"/>
+          </a:solidFill>
+          <a:ln>
+            <a:noFill/>
+          </a:ln>
+        </p:spPr>
+        <p:txBody>
+          <a:bodyPr wrap="square" rtlCol="0">
+            <a:spAutoFit/>
+          </a:bodyPr>
+          <a:lstStyle/>
+          <a:p>
+            <a:r>
+              <a:rPr lang="en-US" sz="1400" dirty="0" smtClean="0">
+                <a:latin typeface="Times New Roman" pitchFamily="18" charset="0"/>
+                <a:cs typeface="Times New Roman" pitchFamily="18" charset="0"/>
+              </a:rPr>
+              <a:t>b)</a:t>
+            </a:r>
+            <a:endParaRPr lang="en-US" sz="1400" dirty="0">
+              <a:latin typeface="Times New Roman" pitchFamily="18" charset="0"/>
+              <a:cs typeface="Times New Roman" pitchFamily="18" charset="0"/>
+            </a:endParaRPr>
+          </a:p>
+        </p:txBody>
+      </p:sp>
+      <p:sp>
+        <p:nvSpPr>
+          <p:cNvPr id="7" name="TextBox 6"/>
+          <p:cNvSpPr txBox="1"/>
+          <p:nvPr/>
+        </p:nvSpPr>
+        <p:spPr>
+          <a:xfrm>
+            <a:off x="5867400" y="4724400"/>
+            <a:ext cx="381000" cy="307777"/>
+          </a:xfrm>
+          <a:prstGeom prst="rect">
+            <a:avLst/>
+          </a:prstGeom>
+          <a:solidFill>
+            <a:schemeClr val="bg1"/>
+          </a:solidFill>
+          <a:ln>
+            <a:noFill/>
+          </a:ln>
+        </p:spPr>
+        <p:txBody>
+          <a:bodyPr wrap="square" rtlCol="0">
+            <a:spAutoFit/>
+          </a:bodyPr>
+          <a:lstStyle/>
+          <a:p>
+            <a:r>
+              <a:rPr lang="en-US" sz="1400" dirty="0" smtClean="0">
+                <a:latin typeface="Times New Roman" pitchFamily="18" charset="0"/>
+                <a:cs typeface="Times New Roman" pitchFamily="18" charset="0"/>
+              </a:rPr>
+              <a:t>c</a:t>
+            </a:r>
+            <a:r>
+              <a:rPr lang="en-US" sz="1400" dirty="0" smtClean="0">
+                <a:latin typeface="Times New Roman" pitchFamily="18" charset="0"/>
+                <a:cs typeface="Times New Roman" pitchFamily="18" charset="0"/>
+              </a:rPr>
+              <a:t>)</a:t>
+            </a:r>
+            <a:endParaRPr lang="en-US" sz="1400" dirty="0">
+              <a:latin typeface="Times New Roman" pitchFamily="18" charset="0"/>
+              <a:cs typeface="Times New Roman" pitchFamily="18" charset="0"/>
+            </a:endParaRPr>
+          </a:p>
+        </p:txBody>
+      </p:sp>
     </p:spTree>
   </p:cSld>
   <p:clrMapOvr>

--- a/docs/paper/figs/DiagramsDesktop.pptx
+++ b/docs/paper/figs/DiagramsDesktop.pptx
@@ -6,6 +6,7 @@
   </p:sldMasterIdLst>
   <p:sldIdLst>
     <p:sldId id="256" r:id="rId2"/>
+    <p:sldId id="257" r:id="rId3"/>
   </p:sldIdLst>
   <p:sldSz cx="9144000" cy="6858000" type="screen4x3"/>
   <p:notesSz cx="6858000" cy="9144000"/>
@@ -104,6 +105,22 @@
       </a:defRPr>
     </a:lvl9pPr>
   </p:defaultTextStyle>
+  <p:extLst>
+    <p:ext uri="{EFAFB233-063F-42B5-8137-9DF3F51BA10A}">
+      <p15:sldGuideLst xmlns:p15="http://schemas.microsoft.com/office/powerpoint/2012/main">
+        <p15:guide id="1" orient="horz" pos="2160">
+          <p15:clr>
+            <a:srgbClr val="A4A3A4"/>
+          </p15:clr>
+        </p15:guide>
+        <p15:guide id="2" pos="2880">
+          <p15:clr>
+            <a:srgbClr val="A4A3A4"/>
+          </p15:clr>
+        </p15:guide>
+      </p15:sldGuideLst>
+    </p:ext>
+  </p:extLst>
 </p:presentation>
 </file>
 
@@ -145,10 +162,9 @@
           <a:lstStyle/>
           <a:p>
             <a:r>
-              <a:rPr lang="en-US" smtClean="0"/>
+              <a:rPr lang="en-US"/>
               <a:t>Click to edit Master title style</a:t>
             </a:r>
-            <a:endParaRPr lang="en-US"/>
           </a:p>
         </p:txBody>
       </p:sp>
@@ -264,10 +280,9 @@
           </a:lstStyle>
           <a:p>
             <a:r>
-              <a:rPr lang="en-US" smtClean="0"/>
+              <a:rPr lang="en-US"/>
               <a:t>Click to edit Master subtitle style</a:t>
             </a:r>
-            <a:endParaRPr lang="en-US"/>
           </a:p>
         </p:txBody>
       </p:sp>
@@ -289,7 +304,7 @@
             <a:fld id="{1D8BD707-D9CF-40AE-B4C6-C98DA3205C09}" type="datetimeFigureOut">
               <a:rPr lang="en-US" smtClean="0"/>
               <a:pPr/>
-              <a:t>5/14/2019</a:t>
+              <a:t>6/15/2019</a:t>
             </a:fld>
             <a:endParaRPr lang="en-US"/>
           </a:p>
@@ -379,10 +394,9 @@
           <a:lstStyle/>
           <a:p>
             <a:r>
-              <a:rPr lang="en-US" smtClean="0"/>
+              <a:rPr lang="en-US"/>
               <a:t>Click to edit Master title style</a:t>
             </a:r>
-            <a:endParaRPr lang="en-US"/>
           </a:p>
         </p:txBody>
       </p:sp>
@@ -403,38 +417,37 @@
           <a:p>
             <a:pPr lvl="0"/>
             <a:r>
-              <a:rPr lang="en-US" smtClean="0"/>
+              <a:rPr lang="en-US"/>
               <a:t>Click to edit Master text styles</a:t>
             </a:r>
           </a:p>
           <a:p>
             <a:pPr lvl="1"/>
             <a:r>
-              <a:rPr lang="en-US" smtClean="0"/>
+              <a:rPr lang="en-US"/>
               <a:t>Second level</a:t>
             </a:r>
           </a:p>
           <a:p>
             <a:pPr lvl="2"/>
             <a:r>
-              <a:rPr lang="en-US" smtClean="0"/>
+              <a:rPr lang="en-US"/>
               <a:t>Third level</a:t>
             </a:r>
           </a:p>
           <a:p>
             <a:pPr lvl="3"/>
             <a:r>
-              <a:rPr lang="en-US" smtClean="0"/>
+              <a:rPr lang="en-US"/>
               <a:t>Fourth level</a:t>
             </a:r>
           </a:p>
           <a:p>
             <a:pPr lvl="4"/>
             <a:r>
-              <a:rPr lang="en-US" smtClean="0"/>
+              <a:rPr lang="en-US"/>
               <a:t>Fifth level</a:t>
             </a:r>
-            <a:endParaRPr lang="en-US"/>
           </a:p>
         </p:txBody>
       </p:sp>
@@ -456,7 +469,7 @@
             <a:fld id="{1D8BD707-D9CF-40AE-B4C6-C98DA3205C09}" type="datetimeFigureOut">
               <a:rPr lang="en-US" smtClean="0"/>
               <a:pPr/>
-              <a:t>5/14/2019</a:t>
+              <a:t>6/15/2019</a:t>
             </a:fld>
             <a:endParaRPr lang="en-US"/>
           </a:p>
@@ -551,10 +564,9 @@
           <a:lstStyle/>
           <a:p>
             <a:r>
-              <a:rPr lang="en-US" smtClean="0"/>
+              <a:rPr lang="en-US"/>
               <a:t>Click to edit Master title style</a:t>
             </a:r>
-            <a:endParaRPr lang="en-US"/>
           </a:p>
         </p:txBody>
       </p:sp>
@@ -580,38 +592,37 @@
           <a:p>
             <a:pPr lvl="0"/>
             <a:r>
-              <a:rPr lang="en-US" smtClean="0"/>
+              <a:rPr lang="en-US"/>
               <a:t>Click to edit Master text styles</a:t>
             </a:r>
           </a:p>
           <a:p>
             <a:pPr lvl="1"/>
             <a:r>
-              <a:rPr lang="en-US" smtClean="0"/>
+              <a:rPr lang="en-US"/>
               <a:t>Second level</a:t>
             </a:r>
           </a:p>
           <a:p>
             <a:pPr lvl="2"/>
             <a:r>
-              <a:rPr lang="en-US" smtClean="0"/>
+              <a:rPr lang="en-US"/>
               <a:t>Third level</a:t>
             </a:r>
           </a:p>
           <a:p>
             <a:pPr lvl="3"/>
             <a:r>
-              <a:rPr lang="en-US" smtClean="0"/>
+              <a:rPr lang="en-US"/>
               <a:t>Fourth level</a:t>
             </a:r>
           </a:p>
           <a:p>
             <a:pPr lvl="4"/>
             <a:r>
-              <a:rPr lang="en-US" smtClean="0"/>
+              <a:rPr lang="en-US"/>
               <a:t>Fifth level</a:t>
             </a:r>
-            <a:endParaRPr lang="en-US"/>
           </a:p>
         </p:txBody>
       </p:sp>
@@ -633,7 +644,7 @@
             <a:fld id="{1D8BD707-D9CF-40AE-B4C6-C98DA3205C09}" type="datetimeFigureOut">
               <a:rPr lang="en-US" smtClean="0"/>
               <a:pPr/>
-              <a:t>5/14/2019</a:t>
+              <a:t>6/15/2019</a:t>
             </a:fld>
             <a:endParaRPr lang="en-US"/>
           </a:p>
@@ -723,10 +734,9 @@
           <a:lstStyle/>
           <a:p>
             <a:r>
-              <a:rPr lang="en-US" smtClean="0"/>
+              <a:rPr lang="en-US"/>
               <a:t>Click to edit Master title style</a:t>
             </a:r>
-            <a:endParaRPr lang="en-US"/>
           </a:p>
         </p:txBody>
       </p:sp>
@@ -747,38 +757,37 @@
           <a:p>
             <a:pPr lvl="0"/>
             <a:r>
-              <a:rPr lang="en-US" smtClean="0"/>
+              <a:rPr lang="en-US"/>
               <a:t>Click to edit Master text styles</a:t>
             </a:r>
           </a:p>
           <a:p>
             <a:pPr lvl="1"/>
             <a:r>
-              <a:rPr lang="en-US" smtClean="0"/>
+              <a:rPr lang="en-US"/>
               <a:t>Second level</a:t>
             </a:r>
           </a:p>
           <a:p>
             <a:pPr lvl="2"/>
             <a:r>
-              <a:rPr lang="en-US" smtClean="0"/>
+              <a:rPr lang="en-US"/>
               <a:t>Third level</a:t>
             </a:r>
           </a:p>
           <a:p>
             <a:pPr lvl="3"/>
             <a:r>
-              <a:rPr lang="en-US" smtClean="0"/>
+              <a:rPr lang="en-US"/>
               <a:t>Fourth level</a:t>
             </a:r>
           </a:p>
           <a:p>
             <a:pPr lvl="4"/>
             <a:r>
-              <a:rPr lang="en-US" smtClean="0"/>
+              <a:rPr lang="en-US"/>
               <a:t>Fifth level</a:t>
             </a:r>
-            <a:endParaRPr lang="en-US"/>
           </a:p>
         </p:txBody>
       </p:sp>
@@ -800,7 +809,7 @@
             <a:fld id="{1D8BD707-D9CF-40AE-B4C6-C98DA3205C09}" type="datetimeFigureOut">
               <a:rPr lang="en-US" smtClean="0"/>
               <a:pPr/>
-              <a:t>5/14/2019</a:t>
+              <a:t>6/15/2019</a:t>
             </a:fld>
             <a:endParaRPr lang="en-US"/>
           </a:p>
@@ -899,10 +908,9 @@
           </a:lstStyle>
           <a:p>
             <a:r>
-              <a:rPr lang="en-US" smtClean="0"/>
+              <a:rPr lang="en-US"/>
               <a:t>Click to edit Master title style</a:t>
             </a:r>
-            <a:endParaRPr lang="en-US"/>
           </a:p>
         </p:txBody>
       </p:sp>
@@ -1019,7 +1027,7 @@
           <a:p>
             <a:pPr lvl="0"/>
             <a:r>
-              <a:rPr lang="en-US" smtClean="0"/>
+              <a:rPr lang="en-US"/>
               <a:t>Click to edit Master text styles</a:t>
             </a:r>
           </a:p>
@@ -1043,7 +1051,7 @@
             <a:fld id="{1D8BD707-D9CF-40AE-B4C6-C98DA3205C09}" type="datetimeFigureOut">
               <a:rPr lang="en-US" smtClean="0"/>
               <a:pPr/>
-              <a:t>5/14/2019</a:t>
+              <a:t>6/15/2019</a:t>
             </a:fld>
             <a:endParaRPr lang="en-US"/>
           </a:p>
@@ -1133,10 +1141,9 @@
           <a:lstStyle/>
           <a:p>
             <a:r>
-              <a:rPr lang="en-US" smtClean="0"/>
+              <a:rPr lang="en-US"/>
               <a:t>Click to edit Master title style</a:t>
             </a:r>
-            <a:endParaRPr lang="en-US"/>
           </a:p>
         </p:txBody>
       </p:sp>
@@ -1190,38 +1197,37 @@
           <a:p>
             <a:pPr lvl="0"/>
             <a:r>
-              <a:rPr lang="en-US" smtClean="0"/>
+              <a:rPr lang="en-US"/>
               <a:t>Click to edit Master text styles</a:t>
             </a:r>
           </a:p>
           <a:p>
             <a:pPr lvl="1"/>
             <a:r>
-              <a:rPr lang="en-US" smtClean="0"/>
+              <a:rPr lang="en-US"/>
               <a:t>Second level</a:t>
             </a:r>
           </a:p>
           <a:p>
             <a:pPr lvl="2"/>
             <a:r>
-              <a:rPr lang="en-US" smtClean="0"/>
+              <a:rPr lang="en-US"/>
               <a:t>Third level</a:t>
             </a:r>
           </a:p>
           <a:p>
             <a:pPr lvl="3"/>
             <a:r>
-              <a:rPr lang="en-US" smtClean="0"/>
+              <a:rPr lang="en-US"/>
               <a:t>Fourth level</a:t>
             </a:r>
           </a:p>
           <a:p>
             <a:pPr lvl="4"/>
             <a:r>
-              <a:rPr lang="en-US" smtClean="0"/>
+              <a:rPr lang="en-US"/>
               <a:t>Fifth level</a:t>
             </a:r>
-            <a:endParaRPr lang="en-US"/>
           </a:p>
         </p:txBody>
       </p:sp>
@@ -1275,38 +1281,37 @@
           <a:p>
             <a:pPr lvl="0"/>
             <a:r>
-              <a:rPr lang="en-US" smtClean="0"/>
+              <a:rPr lang="en-US"/>
               <a:t>Click to edit Master text styles</a:t>
             </a:r>
           </a:p>
           <a:p>
             <a:pPr lvl="1"/>
             <a:r>
-              <a:rPr lang="en-US" smtClean="0"/>
+              <a:rPr lang="en-US"/>
               <a:t>Second level</a:t>
             </a:r>
           </a:p>
           <a:p>
             <a:pPr lvl="2"/>
             <a:r>
-              <a:rPr lang="en-US" smtClean="0"/>
+              <a:rPr lang="en-US"/>
               <a:t>Third level</a:t>
             </a:r>
           </a:p>
           <a:p>
             <a:pPr lvl="3"/>
             <a:r>
-              <a:rPr lang="en-US" smtClean="0"/>
+              <a:rPr lang="en-US"/>
               <a:t>Fourth level</a:t>
             </a:r>
           </a:p>
           <a:p>
             <a:pPr lvl="4"/>
             <a:r>
-              <a:rPr lang="en-US" smtClean="0"/>
+              <a:rPr lang="en-US"/>
               <a:t>Fifth level</a:t>
             </a:r>
-            <a:endParaRPr lang="en-US"/>
           </a:p>
         </p:txBody>
       </p:sp>
@@ -1328,7 +1333,7 @@
             <a:fld id="{1D8BD707-D9CF-40AE-B4C6-C98DA3205C09}" type="datetimeFigureOut">
               <a:rPr lang="en-US" smtClean="0"/>
               <a:pPr/>
-              <a:t>5/14/2019</a:t>
+              <a:t>6/15/2019</a:t>
             </a:fld>
             <a:endParaRPr lang="en-US"/>
           </a:p>
@@ -1422,10 +1427,9 @@
           </a:lstStyle>
           <a:p>
             <a:r>
-              <a:rPr lang="en-US" smtClean="0"/>
+              <a:rPr lang="en-US"/>
               <a:t>Click to edit Master title style</a:t>
             </a:r>
-            <a:endParaRPr lang="en-US"/>
           </a:p>
         </p:txBody>
       </p:sp>
@@ -1488,7 +1492,7 @@
           <a:p>
             <a:pPr lvl="0"/>
             <a:r>
-              <a:rPr lang="en-US" smtClean="0"/>
+              <a:rPr lang="en-US"/>
               <a:t>Click to edit Master text styles</a:t>
             </a:r>
           </a:p>
@@ -1544,38 +1548,37 @@
           <a:p>
             <a:pPr lvl="0"/>
             <a:r>
-              <a:rPr lang="en-US" smtClean="0"/>
+              <a:rPr lang="en-US"/>
               <a:t>Click to edit Master text styles</a:t>
             </a:r>
           </a:p>
           <a:p>
             <a:pPr lvl="1"/>
             <a:r>
-              <a:rPr lang="en-US" smtClean="0"/>
+              <a:rPr lang="en-US"/>
               <a:t>Second level</a:t>
             </a:r>
           </a:p>
           <a:p>
             <a:pPr lvl="2"/>
             <a:r>
-              <a:rPr lang="en-US" smtClean="0"/>
+              <a:rPr lang="en-US"/>
               <a:t>Third level</a:t>
             </a:r>
           </a:p>
           <a:p>
             <a:pPr lvl="3"/>
             <a:r>
-              <a:rPr lang="en-US" smtClean="0"/>
+              <a:rPr lang="en-US"/>
               <a:t>Fourth level</a:t>
             </a:r>
           </a:p>
           <a:p>
             <a:pPr lvl="4"/>
             <a:r>
-              <a:rPr lang="en-US" smtClean="0"/>
+              <a:rPr lang="en-US"/>
               <a:t>Fifth level</a:t>
             </a:r>
-            <a:endParaRPr lang="en-US"/>
           </a:p>
         </p:txBody>
       </p:sp>
@@ -1638,7 +1641,7 @@
           <a:p>
             <a:pPr lvl="0"/>
             <a:r>
-              <a:rPr lang="en-US" smtClean="0"/>
+              <a:rPr lang="en-US"/>
               <a:t>Click to edit Master text styles</a:t>
             </a:r>
           </a:p>
@@ -1694,38 +1697,37 @@
           <a:p>
             <a:pPr lvl="0"/>
             <a:r>
-              <a:rPr lang="en-US" smtClean="0"/>
+              <a:rPr lang="en-US"/>
               <a:t>Click to edit Master text styles</a:t>
             </a:r>
           </a:p>
           <a:p>
             <a:pPr lvl="1"/>
             <a:r>
-              <a:rPr lang="en-US" smtClean="0"/>
+              <a:rPr lang="en-US"/>
               <a:t>Second level</a:t>
             </a:r>
           </a:p>
           <a:p>
             <a:pPr lvl="2"/>
             <a:r>
-              <a:rPr lang="en-US" smtClean="0"/>
+              <a:rPr lang="en-US"/>
               <a:t>Third level</a:t>
             </a:r>
           </a:p>
           <a:p>
             <a:pPr lvl="3"/>
             <a:r>
-              <a:rPr lang="en-US" smtClean="0"/>
+              <a:rPr lang="en-US"/>
               <a:t>Fourth level</a:t>
             </a:r>
           </a:p>
           <a:p>
             <a:pPr lvl="4"/>
             <a:r>
-              <a:rPr lang="en-US" smtClean="0"/>
+              <a:rPr lang="en-US"/>
               <a:t>Fifth level</a:t>
             </a:r>
-            <a:endParaRPr lang="en-US"/>
           </a:p>
         </p:txBody>
       </p:sp>
@@ -1747,7 +1749,7 @@
             <a:fld id="{1D8BD707-D9CF-40AE-B4C6-C98DA3205C09}" type="datetimeFigureOut">
               <a:rPr lang="en-US" smtClean="0"/>
               <a:pPr/>
-              <a:t>5/14/2019</a:t>
+              <a:t>6/15/2019</a:t>
             </a:fld>
             <a:endParaRPr lang="en-US"/>
           </a:p>
@@ -1837,10 +1839,9 @@
           <a:lstStyle/>
           <a:p>
             <a:r>
-              <a:rPr lang="en-US" smtClean="0"/>
+              <a:rPr lang="en-US"/>
               <a:t>Click to edit Master title style</a:t>
             </a:r>
-            <a:endParaRPr lang="en-US"/>
           </a:p>
         </p:txBody>
       </p:sp>
@@ -1862,7 +1863,7 @@
             <a:fld id="{1D8BD707-D9CF-40AE-B4C6-C98DA3205C09}" type="datetimeFigureOut">
               <a:rPr lang="en-US" smtClean="0"/>
               <a:pPr/>
-              <a:t>5/14/2019</a:t>
+              <a:t>6/15/2019</a:t>
             </a:fld>
             <a:endParaRPr lang="en-US"/>
           </a:p>
@@ -1954,7 +1955,7 @@
             <a:fld id="{1D8BD707-D9CF-40AE-B4C6-C98DA3205C09}" type="datetimeFigureOut">
               <a:rPr lang="en-US" smtClean="0"/>
               <a:pPr/>
-              <a:t>5/14/2019</a:t>
+              <a:t>6/15/2019</a:t>
             </a:fld>
             <a:endParaRPr lang="en-US"/>
           </a:p>
@@ -2053,10 +2054,9 @@
           </a:lstStyle>
           <a:p>
             <a:r>
-              <a:rPr lang="en-US" smtClean="0"/>
+              <a:rPr lang="en-US"/>
               <a:t>Click to edit Master title style</a:t>
             </a:r>
-            <a:endParaRPr lang="en-US"/>
           </a:p>
         </p:txBody>
       </p:sp>
@@ -2110,38 +2110,37 @@
           <a:p>
             <a:pPr lvl="0"/>
             <a:r>
-              <a:rPr lang="en-US" smtClean="0"/>
+              <a:rPr lang="en-US"/>
               <a:t>Click to edit Master text styles</a:t>
             </a:r>
           </a:p>
           <a:p>
             <a:pPr lvl="1"/>
             <a:r>
-              <a:rPr lang="en-US" smtClean="0"/>
+              <a:rPr lang="en-US"/>
               <a:t>Second level</a:t>
             </a:r>
           </a:p>
           <a:p>
             <a:pPr lvl="2"/>
             <a:r>
-              <a:rPr lang="en-US" smtClean="0"/>
+              <a:rPr lang="en-US"/>
               <a:t>Third level</a:t>
             </a:r>
           </a:p>
           <a:p>
             <a:pPr lvl="3"/>
             <a:r>
-              <a:rPr lang="en-US" smtClean="0"/>
+              <a:rPr lang="en-US"/>
               <a:t>Fourth level</a:t>
             </a:r>
           </a:p>
           <a:p>
             <a:pPr lvl="4"/>
             <a:r>
-              <a:rPr lang="en-US" smtClean="0"/>
+              <a:rPr lang="en-US"/>
               <a:t>Fifth level</a:t>
             </a:r>
-            <a:endParaRPr lang="en-US"/>
           </a:p>
         </p:txBody>
       </p:sp>
@@ -2204,7 +2203,7 @@
           <a:p>
             <a:pPr lvl="0"/>
             <a:r>
-              <a:rPr lang="en-US" smtClean="0"/>
+              <a:rPr lang="en-US"/>
               <a:t>Click to edit Master text styles</a:t>
             </a:r>
           </a:p>
@@ -2228,7 +2227,7 @@
             <a:fld id="{1D8BD707-D9CF-40AE-B4C6-C98DA3205C09}" type="datetimeFigureOut">
               <a:rPr lang="en-US" smtClean="0"/>
               <a:pPr/>
-              <a:t>5/14/2019</a:t>
+              <a:t>6/15/2019</a:t>
             </a:fld>
             <a:endParaRPr lang="en-US"/>
           </a:p>
@@ -2327,10 +2326,9 @@
           </a:lstStyle>
           <a:p>
             <a:r>
-              <a:rPr lang="en-US" smtClean="0"/>
+              <a:rPr lang="en-US"/>
               <a:t>Click to edit Master title style</a:t>
             </a:r>
-            <a:endParaRPr lang="en-US"/>
           </a:p>
         </p:txBody>
       </p:sp>
@@ -2454,7 +2452,7 @@
           <a:p>
             <a:pPr lvl="0"/>
             <a:r>
-              <a:rPr lang="en-US" smtClean="0"/>
+              <a:rPr lang="en-US"/>
               <a:t>Click to edit Master text styles</a:t>
             </a:r>
           </a:p>
@@ -2478,7 +2476,7 @@
             <a:fld id="{1D8BD707-D9CF-40AE-B4C6-C98DA3205C09}" type="datetimeFigureOut">
               <a:rPr lang="en-US" smtClean="0"/>
               <a:pPr/>
-              <a:t>5/14/2019</a:t>
+              <a:t>6/15/2019</a:t>
             </a:fld>
             <a:endParaRPr lang="en-US"/>
           </a:p>
@@ -2583,10 +2581,9 @@
           <a:lstStyle/>
           <a:p>
             <a:r>
-              <a:rPr lang="en-US" smtClean="0"/>
+              <a:rPr lang="en-US"/>
               <a:t>Click to edit Master title style</a:t>
             </a:r>
-            <a:endParaRPr lang="en-US"/>
           </a:p>
         </p:txBody>
       </p:sp>
@@ -2617,38 +2614,37 @@
           <a:p>
             <a:pPr lvl="0"/>
             <a:r>
-              <a:rPr lang="en-US" smtClean="0"/>
+              <a:rPr lang="en-US"/>
               <a:t>Click to edit Master text styles</a:t>
             </a:r>
           </a:p>
           <a:p>
             <a:pPr lvl="1"/>
             <a:r>
-              <a:rPr lang="en-US" smtClean="0"/>
+              <a:rPr lang="en-US"/>
               <a:t>Second level</a:t>
             </a:r>
           </a:p>
           <a:p>
             <a:pPr lvl="2"/>
             <a:r>
-              <a:rPr lang="en-US" smtClean="0"/>
+              <a:rPr lang="en-US"/>
               <a:t>Third level</a:t>
             </a:r>
           </a:p>
           <a:p>
             <a:pPr lvl="3"/>
             <a:r>
-              <a:rPr lang="en-US" smtClean="0"/>
+              <a:rPr lang="en-US"/>
               <a:t>Fourth level</a:t>
             </a:r>
           </a:p>
           <a:p>
             <a:pPr lvl="4"/>
             <a:r>
-              <a:rPr lang="en-US" smtClean="0"/>
+              <a:rPr lang="en-US"/>
               <a:t>Fifth level</a:t>
             </a:r>
-            <a:endParaRPr lang="en-US"/>
           </a:p>
         </p:txBody>
       </p:sp>
@@ -2688,7 +2684,7 @@
             <a:fld id="{1D8BD707-D9CF-40AE-B4C6-C98DA3205C09}" type="datetimeFigureOut">
               <a:rPr lang="en-US" smtClean="0"/>
               <a:pPr/>
-              <a:t>5/14/2019</a:t>
+              <a:t>6/15/2019</a:t>
             </a:fld>
             <a:endParaRPr lang="en-US"/>
           </a:p>
@@ -3183,16 +3179,12 @@
           <a:lstStyle/>
           <a:p>
             <a:r>
-              <a:rPr lang="en-US" sz="1400" dirty="0" smtClean="0">
+              <a:rPr lang="en-US" sz="1400" dirty="0">
                 <a:latin typeface="Times New Roman" pitchFamily="18" charset="0"/>
                 <a:cs typeface="Times New Roman" pitchFamily="18" charset="0"/>
               </a:rPr>
               <a:t>a)</a:t>
             </a:r>
-            <a:endParaRPr lang="en-US" sz="1400" dirty="0">
-              <a:latin typeface="Times New Roman" pitchFamily="18" charset="0"/>
-              <a:cs typeface="Times New Roman" pitchFamily="18" charset="0"/>
-            </a:endParaRPr>
           </a:p>
         </p:txBody>
       </p:sp>
@@ -3224,16 +3216,12 @@
           <a:lstStyle/>
           <a:p>
             <a:r>
-              <a:rPr lang="en-US" sz="1400" dirty="0" smtClean="0">
+              <a:rPr lang="en-US" sz="1400" dirty="0">
                 <a:latin typeface="Times New Roman" pitchFamily="18" charset="0"/>
                 <a:cs typeface="Times New Roman" pitchFamily="18" charset="0"/>
               </a:rPr>
               <a:t>b)</a:t>
             </a:r>
-            <a:endParaRPr lang="en-US" sz="1400" dirty="0">
-              <a:latin typeface="Times New Roman" pitchFamily="18" charset="0"/>
-              <a:cs typeface="Times New Roman" pitchFamily="18" charset="0"/>
-            </a:endParaRPr>
           </a:p>
         </p:txBody>
       </p:sp>
@@ -3265,27 +3253,253 @@
           <a:lstStyle/>
           <a:p>
             <a:r>
-              <a:rPr lang="en-US" sz="1400" dirty="0" smtClean="0">
+              <a:rPr lang="en-US" sz="1400" dirty="0">
                 <a:latin typeface="Times New Roman" pitchFamily="18" charset="0"/>
                 <a:cs typeface="Times New Roman" pitchFamily="18" charset="0"/>
               </a:rPr>
-              <a:t>c</a:t>
-            </a:r>
-            <a:r>
-              <a:rPr lang="en-US" sz="1400" dirty="0" smtClean="0">
+              <a:t>c)</a:t>
+            </a:r>
+          </a:p>
+        </p:txBody>
+      </p:sp>
+    </p:spTree>
+  </p:cSld>
+  <p:clrMapOvr>
+    <a:masterClrMapping/>
+  </p:clrMapOvr>
+</p:sld>
+</file>
+
+<file path=ppt/slides/slide2.xml><?xml version="1.0" encoding="utf-8"?>
+<p:sld xmlns:a="http://schemas.openxmlformats.org/drawingml/2006/main" xmlns:r="http://schemas.openxmlformats.org/officeDocument/2006/relationships" xmlns:p="http://schemas.openxmlformats.org/presentationml/2006/main">
+  <p:cSld>
+    <p:spTree>
+      <p:nvGrpSpPr>
+        <p:cNvPr id="1" name=""/>
+        <p:cNvGrpSpPr/>
+        <p:nvPr/>
+      </p:nvGrpSpPr>
+      <p:grpSpPr>
+        <a:xfrm>
+          <a:off x="0" y="0"/>
+          <a:ext cx="0" cy="0"/>
+          <a:chOff x="0" y="0"/>
+          <a:chExt cx="0" cy="0"/>
+        </a:xfrm>
+      </p:grpSpPr>
+      <p:pic>
+        <p:nvPicPr>
+          <p:cNvPr id="1026" name="Picture 2"/>
+          <p:cNvPicPr>
+            <a:picLocks noChangeAspect="1" noChangeArrowheads="1"/>
+          </p:cNvPicPr>
+          <p:nvPr/>
+        </p:nvPicPr>
+        <p:blipFill>
+          <a:blip r:embed="rId2" cstate="print"/>
+          <a:srcRect/>
+          <a:stretch>
+            <a:fillRect/>
+          </a:stretch>
+        </p:blipFill>
+        <p:spPr bwMode="auto">
+          <a:xfrm>
+            <a:off x="3124200" y="2467271"/>
+            <a:ext cx="2577473" cy="2636977"/>
+          </a:xfrm>
+          <a:prstGeom prst="rect">
+            <a:avLst/>
+          </a:prstGeom>
+          <a:noFill/>
+          <a:ln w="9525">
+            <a:noFill/>
+            <a:miter lim="800000"/>
+            <a:headEnd/>
+            <a:tailEnd/>
+          </a:ln>
+        </p:spPr>
+      </p:pic>
+      <p:pic>
+        <p:nvPicPr>
+          <p:cNvPr id="1027" name="Picture 3"/>
+          <p:cNvPicPr>
+            <a:picLocks noChangeAspect="1" noChangeArrowheads="1"/>
+          </p:cNvPicPr>
+          <p:nvPr/>
+        </p:nvPicPr>
+        <p:blipFill>
+          <a:blip r:embed="rId3" cstate="print"/>
+          <a:srcRect/>
+          <a:stretch>
+            <a:fillRect/>
+          </a:stretch>
+        </p:blipFill>
+        <p:spPr bwMode="auto">
+          <a:xfrm>
+            <a:off x="5791200" y="2514600"/>
+            <a:ext cx="2667000" cy="2609645"/>
+          </a:xfrm>
+          <a:prstGeom prst="rect">
+            <a:avLst/>
+          </a:prstGeom>
+          <a:noFill/>
+          <a:ln w="9525">
+            <a:noFill/>
+            <a:miter lim="800000"/>
+            <a:headEnd/>
+            <a:tailEnd/>
+          </a:ln>
+        </p:spPr>
+      </p:pic>
+      <p:pic>
+        <p:nvPicPr>
+          <p:cNvPr id="2" name="Picture 2"/>
+          <p:cNvPicPr>
+            <a:picLocks noChangeAspect="1" noChangeArrowheads="1"/>
+          </p:cNvPicPr>
+          <p:nvPr/>
+        </p:nvPicPr>
+        <p:blipFill>
+          <a:blip r:embed="rId4" cstate="print"/>
+          <a:srcRect/>
+          <a:stretch>
+            <a:fillRect/>
+          </a:stretch>
+        </p:blipFill>
+        <p:spPr bwMode="auto">
+          <a:xfrm>
+            <a:off x="304800" y="2539047"/>
+            <a:ext cx="2824956" cy="2625424"/>
+          </a:xfrm>
+          <a:prstGeom prst="rect">
+            <a:avLst/>
+          </a:prstGeom>
+          <a:noFill/>
+          <a:ln w="9525">
+            <a:noFill/>
+            <a:miter lim="800000"/>
+            <a:headEnd/>
+            <a:tailEnd/>
+          </a:ln>
+        </p:spPr>
+      </p:pic>
+      <p:sp>
+        <p:nvSpPr>
+          <p:cNvPr id="5" name="TextBox 4"/>
+          <p:cNvSpPr txBox="1"/>
+          <p:nvPr/>
+        </p:nvSpPr>
+        <p:spPr>
+          <a:xfrm>
+            <a:off x="381000" y="4724400"/>
+            <a:ext cx="381000" cy="307777"/>
+          </a:xfrm>
+          <a:prstGeom prst="rect">
+            <a:avLst/>
+          </a:prstGeom>
+          <a:solidFill>
+            <a:schemeClr val="bg1"/>
+          </a:solidFill>
+          <a:ln>
+            <a:noFill/>
+          </a:ln>
+        </p:spPr>
+        <p:txBody>
+          <a:bodyPr wrap="square" rtlCol="0">
+            <a:spAutoFit/>
+          </a:bodyPr>
+          <a:lstStyle/>
+          <a:p>
+            <a:r>
+              <a:rPr lang="en-US" sz="1400" dirty="0">
                 <a:latin typeface="Times New Roman" pitchFamily="18" charset="0"/>
                 <a:cs typeface="Times New Roman" pitchFamily="18" charset="0"/>
               </a:rPr>
-              <a:t>)</a:t>
-            </a:r>
-            <a:endParaRPr lang="en-US" sz="1400" dirty="0">
-              <a:latin typeface="Times New Roman" pitchFamily="18" charset="0"/>
-              <a:cs typeface="Times New Roman" pitchFamily="18" charset="0"/>
-            </a:endParaRPr>
+              <a:t>a)</a:t>
+            </a:r>
+          </a:p>
+        </p:txBody>
+      </p:sp>
+      <p:sp>
+        <p:nvSpPr>
+          <p:cNvPr id="6" name="TextBox 5"/>
+          <p:cNvSpPr txBox="1"/>
+          <p:nvPr/>
+        </p:nvSpPr>
+        <p:spPr>
+          <a:xfrm>
+            <a:off x="3200400" y="4724400"/>
+            <a:ext cx="381000" cy="307777"/>
+          </a:xfrm>
+          <a:prstGeom prst="rect">
+            <a:avLst/>
+          </a:prstGeom>
+          <a:solidFill>
+            <a:schemeClr val="bg1"/>
+          </a:solidFill>
+          <a:ln>
+            <a:noFill/>
+          </a:ln>
+        </p:spPr>
+        <p:txBody>
+          <a:bodyPr wrap="square" rtlCol="0">
+            <a:spAutoFit/>
+          </a:bodyPr>
+          <a:lstStyle/>
+          <a:p>
+            <a:r>
+              <a:rPr lang="en-US" sz="1400" dirty="0">
+                <a:latin typeface="Times New Roman" pitchFamily="18" charset="0"/>
+                <a:cs typeface="Times New Roman" pitchFamily="18" charset="0"/>
+              </a:rPr>
+              <a:t>b)</a:t>
+            </a:r>
+          </a:p>
+        </p:txBody>
+      </p:sp>
+      <p:sp>
+        <p:nvSpPr>
+          <p:cNvPr id="7" name="TextBox 6"/>
+          <p:cNvSpPr txBox="1"/>
+          <p:nvPr/>
+        </p:nvSpPr>
+        <p:spPr>
+          <a:xfrm>
+            <a:off x="5867400" y="4724400"/>
+            <a:ext cx="381000" cy="307777"/>
+          </a:xfrm>
+          <a:prstGeom prst="rect">
+            <a:avLst/>
+          </a:prstGeom>
+          <a:solidFill>
+            <a:schemeClr val="bg1"/>
+          </a:solidFill>
+          <a:ln>
+            <a:noFill/>
+          </a:ln>
+        </p:spPr>
+        <p:txBody>
+          <a:bodyPr wrap="square" rtlCol="0">
+            <a:spAutoFit/>
+          </a:bodyPr>
+          <a:lstStyle/>
+          <a:p>
+            <a:r>
+              <a:rPr lang="en-US" sz="1400" dirty="0">
+                <a:latin typeface="Times New Roman" pitchFamily="18" charset="0"/>
+                <a:cs typeface="Times New Roman" pitchFamily="18" charset="0"/>
+              </a:rPr>
+              <a:t>c)</a:t>
+            </a:r>
           </a:p>
         </p:txBody>
       </p:sp>
     </p:spTree>
+    <p:extLst>
+      <p:ext uri="{BB962C8B-B14F-4D97-AF65-F5344CB8AC3E}">
+        <p14:creationId xmlns:p14="http://schemas.microsoft.com/office/powerpoint/2010/main" val="3583728197"/>
+      </p:ext>
+    </p:extLst>
   </p:cSld>
   <p:clrMapOvr>
     <a:masterClrMapping/>
